--- a/docs/diagrams/LoginFeatureUIComponent.pptx
+++ b/docs/diagrams/LoginFeatureUIComponent.pptx
@@ -104,6 +104,11 @@
       </a:defRPr>
     </a:lvl9pPr>
   </p:defaultTextStyle>
+  <p:extLst>
+    <p:ext uri="{EFAFB233-063F-42B5-8137-9DF3F51BA10A}">
+      <p15:sldGuideLst xmlns:p15="http://schemas.microsoft.com/office/powerpoint/2012/main"/>
+    </p:ext>
+  </p:extLst>
 </p:presentation>
 </file>
 
@@ -238,7 +243,7 @@
           <a:p>
             <a:fld id="{D8B5B5D6-9003-B84E-B496-A434F261678F}" type="datetimeFigureOut">
               <a:rPr lang="en-US" smtClean="0"/>
-              <a:t>3/21/18</a:t>
+              <a:t>4/12/18</a:t>
             </a:fld>
             <a:endParaRPr lang="en-US"/>
           </a:p>
@@ -408,7 +413,7 @@
           <a:p>
             <a:fld id="{D8B5B5D6-9003-B84E-B496-A434F261678F}" type="datetimeFigureOut">
               <a:rPr lang="en-US" smtClean="0"/>
-              <a:t>3/21/18</a:t>
+              <a:t>4/12/18</a:t>
             </a:fld>
             <a:endParaRPr lang="en-US"/>
           </a:p>
@@ -588,7 +593,7 @@
           <a:p>
             <a:fld id="{D8B5B5D6-9003-B84E-B496-A434F261678F}" type="datetimeFigureOut">
               <a:rPr lang="en-US" smtClean="0"/>
-              <a:t>3/21/18</a:t>
+              <a:t>4/12/18</a:t>
             </a:fld>
             <a:endParaRPr lang="en-US"/>
           </a:p>
@@ -758,7 +763,7 @@
           <a:p>
             <a:fld id="{D8B5B5D6-9003-B84E-B496-A434F261678F}" type="datetimeFigureOut">
               <a:rPr lang="en-US" smtClean="0"/>
-              <a:t>3/21/18</a:t>
+              <a:t>4/12/18</a:t>
             </a:fld>
             <a:endParaRPr lang="en-US"/>
           </a:p>
@@ -1004,7 +1009,7 @@
           <a:p>
             <a:fld id="{D8B5B5D6-9003-B84E-B496-A434F261678F}" type="datetimeFigureOut">
               <a:rPr lang="en-US" smtClean="0"/>
-              <a:t>3/21/18</a:t>
+              <a:t>4/12/18</a:t>
             </a:fld>
             <a:endParaRPr lang="en-US"/>
           </a:p>
@@ -1236,7 +1241,7 @@
           <a:p>
             <a:fld id="{D8B5B5D6-9003-B84E-B496-A434F261678F}" type="datetimeFigureOut">
               <a:rPr lang="en-US" smtClean="0"/>
-              <a:t>3/21/18</a:t>
+              <a:t>4/12/18</a:t>
             </a:fld>
             <a:endParaRPr lang="en-US"/>
           </a:p>
@@ -1603,7 +1608,7 @@
           <a:p>
             <a:fld id="{D8B5B5D6-9003-B84E-B496-A434F261678F}" type="datetimeFigureOut">
               <a:rPr lang="en-US" smtClean="0"/>
-              <a:t>3/21/18</a:t>
+              <a:t>4/12/18</a:t>
             </a:fld>
             <a:endParaRPr lang="en-US"/>
           </a:p>
@@ -1721,7 +1726,7 @@
           <a:p>
             <a:fld id="{D8B5B5D6-9003-B84E-B496-A434F261678F}" type="datetimeFigureOut">
               <a:rPr lang="en-US" smtClean="0"/>
-              <a:t>3/21/18</a:t>
+              <a:t>4/12/18</a:t>
             </a:fld>
             <a:endParaRPr lang="en-US"/>
           </a:p>
@@ -1816,7 +1821,7 @@
           <a:p>
             <a:fld id="{D8B5B5D6-9003-B84E-B496-A434F261678F}" type="datetimeFigureOut">
               <a:rPr lang="en-US" smtClean="0"/>
-              <a:t>3/21/18</a:t>
+              <a:t>4/12/18</a:t>
             </a:fld>
             <a:endParaRPr lang="en-US"/>
           </a:p>
@@ -2093,7 +2098,7 @@
           <a:p>
             <a:fld id="{D8B5B5D6-9003-B84E-B496-A434F261678F}" type="datetimeFigureOut">
               <a:rPr lang="en-US" smtClean="0"/>
-              <a:t>3/21/18</a:t>
+              <a:t>4/12/18</a:t>
             </a:fld>
             <a:endParaRPr lang="en-US"/>
           </a:p>
@@ -2350,7 +2355,7 @@
           <a:p>
             <a:fld id="{D8B5B5D6-9003-B84E-B496-A434F261678F}" type="datetimeFigureOut">
               <a:rPr lang="en-US" smtClean="0"/>
-              <a:t>3/21/18</a:t>
+              <a:t>4/12/18</a:t>
             </a:fld>
             <a:endParaRPr lang="en-US"/>
           </a:p>
@@ -2563,7 +2568,7 @@
           <a:p>
             <a:fld id="{D8B5B5D6-9003-B84E-B496-A434F261678F}" type="datetimeFigureOut">
               <a:rPr lang="en-US" smtClean="0"/>
-              <a:t>3/21/18</a:t>
+              <a:t>4/12/18</a:t>
             </a:fld>
             <a:endParaRPr lang="en-US"/>
           </a:p>
@@ -2982,7 +2987,7 @@
         </p:nvGrpSpPr>
         <p:grpSpPr>
           <a:xfrm>
-            <a:off x="586459" y="470352"/>
+            <a:off x="586459" y="749822"/>
             <a:ext cx="16900993" cy="9952604"/>
             <a:chOff x="2668600" y="606539"/>
             <a:chExt cx="16900993" cy="9952604"/>
@@ -3047,7 +3052,7 @@
             <a:lstStyle/>
             <a:p>
               <a:pPr algn="ctr"/>
-              <a:endParaRPr lang="en-US"/>
+              <a:endParaRPr lang="en-US" b="1"/>
             </a:p>
           </p:txBody>
         </p:sp>
@@ -3108,7 +3113,7 @@
             <a:lstStyle/>
             <a:p>
               <a:pPr algn="ctr"/>
-              <a:endParaRPr lang="en-US" dirty="0"/>
+              <a:endParaRPr lang="en-US" b="1" dirty="0"/>
             </a:p>
           </p:txBody>
         </p:sp>
@@ -3169,7 +3174,7 @@
             <a:lstStyle/>
             <a:p>
               <a:pPr algn="ctr"/>
-              <a:endParaRPr lang="en-US" dirty="0"/>
+              <a:endParaRPr lang="en-US" b="1" dirty="0"/>
             </a:p>
           </p:txBody>
         </p:sp>
@@ -3227,14 +3232,14 @@
             <a:p>
               <a:pPr algn="ctr"/>
               <a:r>
-                <a:rPr lang="en-US" sz="2658" dirty="0"/>
+                <a:rPr lang="en-US" sz="2658" b="1" dirty="0"/>
                 <a:t>:</a:t>
               </a:r>
               <a:r>
-                <a:rPr lang="en-US" sz="2658" dirty="0" err="1"/>
+                <a:rPr lang="en-US" sz="2658" b="1" dirty="0" err="1"/>
                 <a:t>CommandBox</a:t>
               </a:r>
-              <a:endParaRPr lang="en-US" sz="2658" dirty="0"/>
+              <a:endParaRPr lang="en-US" sz="2658" b="1" dirty="0"/>
             </a:p>
           </p:txBody>
         </p:sp>
@@ -3337,7 +3342,7 @@
             <a:lstStyle/>
             <a:p>
               <a:pPr algn="ctr"/>
-              <a:endParaRPr lang="en-US" sz="2658"/>
+              <a:endParaRPr lang="en-US" sz="2658" b="1"/>
             </a:p>
           </p:txBody>
         </p:sp>
@@ -3414,15 +3419,27 @@
             <a:lstStyle/>
             <a:p>
               <a:r>
-                <a:rPr lang="en-US" sz="2400" dirty="0"/>
+                <a:rPr lang="en-US" sz="2400" b="1" dirty="0">
+                  <a:solidFill>
+                    <a:srgbClr val="00B050"/>
+                  </a:solidFill>
+                </a:rPr>
                 <a:t>execute(</a:t>
               </a:r>
               <a:r>
-                <a:rPr lang="en-US" sz="2400" dirty="0" err="1"/>
+                <a:rPr lang="en-US" sz="2400" b="1" dirty="0" err="1">
+                  <a:solidFill>
+                    <a:srgbClr val="00B050"/>
+                  </a:solidFill>
+                </a:rPr>
                 <a:t>commandText</a:t>
               </a:r>
               <a:r>
-                <a:rPr lang="en-US" sz="2400" dirty="0"/>
+                <a:rPr lang="en-US" sz="2400" b="1" dirty="0">
+                  <a:solidFill>
+                    <a:srgbClr val="00B050"/>
+                  </a:solidFill>
+                </a:rPr>
                 <a:t>)</a:t>
               </a:r>
             </a:p>
@@ -3482,14 +3499,14 @@
             <a:p>
               <a:pPr algn="ctr"/>
               <a:r>
-                <a:rPr lang="en-US" sz="2658" dirty="0"/>
+                <a:rPr lang="en-US" sz="2658" b="1" dirty="0"/>
                 <a:t>:</a:t>
               </a:r>
               <a:r>
-                <a:rPr lang="en-US" sz="2658" dirty="0" err="1"/>
+                <a:rPr lang="en-US" sz="2658" b="1" dirty="0" err="1"/>
                 <a:t>LogicManager</a:t>
               </a:r>
-              <a:endParaRPr lang="en-US" sz="2658" dirty="0"/>
+              <a:endParaRPr lang="en-US" sz="2658" b="1" dirty="0"/>
             </a:p>
           </p:txBody>
         </p:sp>
@@ -3584,7 +3601,7 @@
             <a:lstStyle/>
             <a:p>
               <a:pPr algn="ctr"/>
-              <a:endParaRPr lang="en-US" sz="2658"/>
+              <a:endParaRPr lang="en-US" sz="2658" b="1"/>
             </a:p>
           </p:txBody>
         </p:sp>
@@ -3662,10 +3679,18 @@
             <a:lstStyle/>
             <a:p>
               <a:r>
-                <a:rPr lang="en-US" sz="2400" dirty="0" err="1"/>
+                <a:rPr lang="en-US" sz="2400" b="1" dirty="0" err="1">
+                  <a:solidFill>
+                    <a:srgbClr val="00B050"/>
+                  </a:solidFill>
+                </a:rPr>
                 <a:t>CommandResult</a:t>
               </a:r>
-              <a:endParaRPr lang="en-US" sz="2400" dirty="0"/>
+              <a:endParaRPr lang="en-US" sz="2400" b="1" dirty="0">
+                <a:solidFill>
+                  <a:srgbClr val="00B050"/>
+                </a:solidFill>
+              </a:endParaRPr>
             </a:p>
           </p:txBody>
         </p:sp>
@@ -3742,11 +3767,19 @@
             <a:lstStyle/>
             <a:p>
               <a:r>
-                <a:rPr lang="en-US" sz="2400" dirty="0" err="1"/>
+                <a:rPr lang="en-US" sz="2400" b="1" dirty="0" err="1">
+                  <a:solidFill>
+                    <a:srgbClr val="00B050"/>
+                  </a:solidFill>
+                </a:rPr>
                 <a:t>hasLoggedIn</a:t>
               </a:r>
               <a:r>
-                <a:rPr lang="en-US" sz="2400" dirty="0"/>
+                <a:rPr lang="en-US" sz="2400" b="1" dirty="0">
+                  <a:solidFill>
+                    <a:srgbClr val="00B050"/>
+                  </a:solidFill>
+                </a:rPr>
                 <a:t>()</a:t>
               </a:r>
             </a:p>
@@ -3826,10 +3859,18 @@
             <a:lstStyle/>
             <a:p>
               <a:r>
-                <a:rPr lang="en-US" sz="2400" dirty="0" err="1"/>
+                <a:rPr lang="en-US" sz="2400" b="1" dirty="0" err="1">
+                  <a:solidFill>
+                    <a:srgbClr val="00B050"/>
+                  </a:solidFill>
+                </a:rPr>
                 <a:t>boolean</a:t>
               </a:r>
-              <a:endParaRPr lang="en-US" sz="2400" dirty="0"/>
+              <a:endParaRPr lang="en-US" sz="2400" b="1" dirty="0">
+                <a:solidFill>
+                  <a:srgbClr val="00B050"/>
+                </a:solidFill>
+              </a:endParaRPr>
             </a:p>
           </p:txBody>
         </p:sp>
@@ -3883,7 +3924,7 @@
             <a:lstStyle/>
             <a:p>
               <a:pPr algn="ctr"/>
-              <a:endParaRPr lang="en-US" sz="2658"/>
+              <a:endParaRPr lang="en-US" sz="2658" b="1"/>
             </a:p>
           </p:txBody>
         </p:sp>
@@ -3941,14 +3982,14 @@
             <a:p>
               <a:pPr algn="ctr"/>
               <a:r>
-                <a:rPr lang="en-US" sz="2658" dirty="0"/>
+                <a:rPr lang="en-US" sz="2658" b="1" dirty="0"/>
                 <a:t>:</a:t>
               </a:r>
               <a:r>
-                <a:rPr lang="en-US" sz="2658" dirty="0" err="1"/>
+                <a:rPr lang="en-US" sz="2658" b="1" dirty="0" err="1"/>
                 <a:t>MainWindow</a:t>
               </a:r>
-              <a:endParaRPr lang="en-US" sz="2658" dirty="0"/>
+              <a:endParaRPr lang="en-US" sz="2658" b="1" dirty="0"/>
             </a:p>
           </p:txBody>
         </p:sp>
@@ -4051,7 +4092,7 @@
             <a:lstStyle/>
             <a:p>
               <a:pPr algn="ctr"/>
-              <a:endParaRPr lang="en-US" sz="2658"/>
+              <a:endParaRPr lang="en-US" sz="2658" b="1"/>
             </a:p>
           </p:txBody>
         </p:sp>
@@ -4156,7 +4197,7 @@
             <a:lstStyle/>
             <a:p>
               <a:pPr algn="ctr"/>
-              <a:endParaRPr lang="en-US" dirty="0"/>
+              <a:endParaRPr lang="en-US" b="1" dirty="0"/>
             </a:p>
           </p:txBody>
         </p:sp>
@@ -4189,7 +4230,7 @@
             <a:lstStyle/>
             <a:p>
               <a:r>
-                <a:rPr lang="en-US" sz="2800" dirty="0">
+                <a:rPr lang="en-US" sz="2800" b="1" dirty="0">
                   <a:solidFill>
                     <a:schemeClr val="bg1"/>
                   </a:solidFill>
@@ -4232,15 +4273,15 @@
             <a:lstStyle/>
             <a:p>
               <a:r>
-                <a:rPr lang="en-US" sz="1800" dirty="0"/>
+                <a:rPr lang="en-US" sz="1800" b="1" dirty="0"/>
                 <a:t>[</a:t>
               </a:r>
               <a:r>
-                <a:rPr lang="en-US" sz="1800" dirty="0" err="1"/>
+                <a:rPr lang="en-US" sz="1800" b="1" dirty="0" err="1"/>
                 <a:t>hasLoggedIn</a:t>
               </a:r>
               <a:r>
-                <a:rPr lang="en-US" sz="1800" dirty="0"/>
+                <a:rPr lang="en-US" sz="1800" b="1" dirty="0"/>
                 <a:t>() == true]</a:t>
               </a:r>
             </a:p>
@@ -4280,7 +4321,7 @@
             <a:p>
               <a:pPr algn="ctr"/>
               <a:r>
-                <a:rPr lang="en-US" sz="1800" dirty="0"/>
+                <a:rPr lang="en-US" sz="1800" b="1" dirty="0"/>
                 <a:t>[else]</a:t>
               </a:r>
             </a:p>
@@ -4315,11 +4356,19 @@
             <a:lstStyle/>
             <a:p>
               <a:r>
-                <a:rPr lang="en-US" sz="2400" dirty="0" err="1"/>
+                <a:rPr lang="en-US" sz="2400" b="1" dirty="0" err="1">
+                  <a:solidFill>
+                    <a:srgbClr val="00B050"/>
+                  </a:solidFill>
+                </a:rPr>
                 <a:t>showAfterLogin</a:t>
               </a:r>
               <a:r>
-                <a:rPr lang="en-US" sz="2400" dirty="0"/>
+                <a:rPr lang="en-US" sz="2400" b="1" dirty="0">
+                  <a:solidFill>
+                    <a:srgbClr val="00B050"/>
+                  </a:solidFill>
+                </a:rPr>
                 <a:t>()</a:t>
               </a:r>
             </a:p>
@@ -4425,7 +4474,7 @@
             <a:lstStyle/>
             <a:p>
               <a:pPr algn="ctr"/>
-              <a:endParaRPr lang="en-US" sz="2658"/>
+              <a:endParaRPr lang="en-US" sz="2658" b="1"/>
             </a:p>
           </p:txBody>
         </p:sp>
@@ -4502,11 +4551,19 @@
             <a:lstStyle/>
             <a:p>
               <a:r>
-                <a:rPr lang="en-US" sz="2400" dirty="0" err="1"/>
+                <a:rPr lang="en-US" sz="2400" b="1" dirty="0" err="1">
+                  <a:solidFill>
+                    <a:srgbClr val="00B050"/>
+                  </a:solidFill>
+                </a:rPr>
                 <a:t>hideBeforeLogin</a:t>
               </a:r>
               <a:r>
-                <a:rPr lang="en-US" sz="2400" dirty="0"/>
+                <a:rPr lang="en-US" sz="2400" b="1" dirty="0">
+                  <a:solidFill>
+                    <a:srgbClr val="00B050"/>
+                  </a:solidFill>
+                </a:rPr>
                 <a:t>()</a:t>
               </a:r>
             </a:p>
@@ -4603,120 +4660,6 @@
         </p:cxnSp>
         <p:sp>
           <p:nvSpPr>
-            <p:cNvPr id="38" name="Rectangle 37">
-              <a:extLst>
-                <a:ext uri="{FF2B5EF4-FFF2-40B4-BE49-F238E27FC236}">
-                  <a16:creationId xmlns:a16="http://schemas.microsoft.com/office/drawing/2014/main" id="{4EAE60AE-E790-7E42-B93A-E0A77C72BD36}"/>
-                </a:ext>
-              </a:extLst>
-            </p:cNvPr>
-            <p:cNvSpPr/>
-            <p:nvPr/>
-          </p:nvSpPr>
-          <p:spPr>
-            <a:xfrm>
-              <a:off x="10737859" y="4683659"/>
-              <a:ext cx="4269504" cy="1971778"/>
-            </a:xfrm>
-            <a:prstGeom prst="rect">
-              <a:avLst/>
-            </a:prstGeom>
-            <a:solidFill>
-              <a:srgbClr val="00B050"/>
-            </a:solidFill>
-            <a:ln>
-              <a:noFill/>
-            </a:ln>
-          </p:spPr>
-          <p:style>
-            <a:lnRef idx="2">
-              <a:schemeClr val="accent6">
-                <a:shade val="50000"/>
-              </a:schemeClr>
-            </a:lnRef>
-            <a:fillRef idx="1">
-              <a:schemeClr val="accent6"/>
-            </a:fillRef>
-            <a:effectRef idx="0">
-              <a:schemeClr val="accent6"/>
-            </a:effectRef>
-            <a:fontRef idx="minor">
-              <a:schemeClr val="lt1"/>
-            </a:fontRef>
-          </p:style>
-          <p:txBody>
-            <a:bodyPr rot="0" spcFirstLastPara="0" vertOverflow="overflow" horzOverflow="overflow" vert="horz" wrap="square" lIns="135005" tIns="67502" rIns="135005" bIns="67502" numCol="1" spcCol="0" rtlCol="0" fromWordArt="0" anchor="ctr" anchorCtr="0" forceAA="0" compatLnSpc="1">
-              <a:prstTxWarp prst="textNoShape">
-                <a:avLst/>
-              </a:prstTxWarp>
-              <a:noAutofit/>
-            </a:bodyPr>
-            <a:lstStyle/>
-            <a:p>
-              <a:pPr algn="ctr"/>
-              <a:r>
-                <a:rPr lang="en-US" sz="2400" dirty="0"/>
-                <a:t>:</a:t>
-              </a:r>
-              <a:r>
-                <a:rPr lang="en-SG" sz="2400" dirty="0" err="1"/>
-                <a:t>featuresTabPane</a:t>
-              </a:r>
-              <a:br>
-                <a:rPr lang="en-SG" sz="2400" dirty="0"/>
-              </a:br>
-              <a:r>
-                <a:rPr lang="en-SG" sz="2400" dirty="0"/>
-                <a:t>:</a:t>
-              </a:r>
-              <a:r>
-                <a:rPr lang="en-SG" sz="2400" dirty="0" err="1"/>
-                <a:t>personDetailsPlaceholder</a:t>
-              </a:r>
-              <a:endParaRPr lang="en-SG" sz="2400" dirty="0"/>
-            </a:p>
-            <a:p>
-              <a:pPr algn="ctr"/>
-              <a:r>
-                <a:rPr lang="en-SG" sz="2400" dirty="0"/>
-                <a:t>:</a:t>
-              </a:r>
-              <a:r>
-                <a:rPr lang="en-SG" sz="2400" dirty="0" err="1"/>
-                <a:t>calendarPlaceholder</a:t>
-              </a:r>
-              <a:br>
-                <a:rPr lang="en-SG" sz="2400" dirty="0"/>
-              </a:br>
-              <a:r>
-                <a:rPr lang="en-SG" sz="2400" dirty="0"/>
-                <a:t>:</a:t>
-              </a:r>
-              <a:r>
-                <a:rPr lang="en-SG" sz="2400" dirty="0" err="1"/>
-                <a:t>dailySchedulerPlaceholder</a:t>
-              </a:r>
-              <a:br>
-                <a:rPr lang="en-SG" sz="2400" dirty="0"/>
-              </a:br>
-              <a:r>
-                <a:rPr lang="en-SG" sz="2400" dirty="0"/>
-                <a:t>:</a:t>
-              </a:r>
-              <a:r>
-                <a:rPr lang="en-SG" sz="2400" dirty="0" err="1"/>
-                <a:t>personListPanelPlaceholder</a:t>
-              </a:r>
-              <a:r>
-                <a:rPr lang="en-SG" sz="2400" dirty="0"/>
-                <a:t>.</a:t>
-              </a:r>
-              <a:endParaRPr lang="en-US" sz="2400" dirty="0"/>
-            </a:p>
-          </p:txBody>
-        </p:sp>
-        <p:sp>
-          <p:nvSpPr>
             <p:cNvPr id="39" name="Rectangle 38">
               <a:extLst>
                 <a:ext uri="{FF2B5EF4-FFF2-40B4-BE49-F238E27FC236}">
@@ -4770,7 +4713,7 @@
             <a:lstStyle/>
             <a:p>
               <a:pPr algn="ctr"/>
-              <a:endParaRPr lang="en-US" sz="2658"/>
+              <a:endParaRPr lang="en-US" sz="2658" b="1"/>
             </a:p>
           </p:txBody>
         </p:sp>
@@ -4847,11 +4790,19 @@
             <a:lstStyle/>
             <a:p>
               <a:r>
-                <a:rPr lang="en-US" sz="2400" dirty="0" err="1"/>
+                <a:rPr lang="en-US" sz="2400" b="1" dirty="0" err="1">
+                  <a:solidFill>
+                    <a:srgbClr val="00B050"/>
+                  </a:solidFill>
+                </a:rPr>
                 <a:t>setVisible</a:t>
               </a:r>
               <a:r>
-                <a:rPr lang="en-US" sz="2400" dirty="0"/>
+                <a:rPr lang="en-US" sz="2400" b="1" dirty="0">
+                  <a:solidFill>
+                    <a:srgbClr val="00B050"/>
+                  </a:solidFill>
+                </a:rPr>
                 <a:t>(true)</a:t>
               </a:r>
             </a:p>
@@ -4957,7 +4908,7 @@
             <a:lstStyle/>
             <a:p>
               <a:pPr algn="ctr"/>
-              <a:endParaRPr lang="en-US" sz="2658"/>
+              <a:endParaRPr lang="en-US" sz="2658" b="1"/>
             </a:p>
           </p:txBody>
         </p:sp>
@@ -5079,17 +5030,85 @@
             <a:lstStyle/>
             <a:p>
               <a:r>
-                <a:rPr lang="en-US" sz="2400" dirty="0" err="1"/>
+                <a:rPr lang="en-US" sz="2400" b="1" dirty="0" err="1">
+                  <a:solidFill>
+                    <a:srgbClr val="00B050"/>
+                  </a:solidFill>
+                </a:rPr>
                 <a:t>setVisible</a:t>
               </a:r>
               <a:r>
-                <a:rPr lang="en-US" sz="2400" dirty="0"/>
+                <a:rPr lang="en-US" sz="2400" b="1" dirty="0">
+                  <a:solidFill>
+                    <a:srgbClr val="00B050"/>
+                  </a:solidFill>
+                </a:rPr>
                 <a:t>(false)</a:t>
               </a:r>
             </a:p>
           </p:txBody>
         </p:sp>
       </p:grpSp>
+      <p:sp>
+        <p:nvSpPr>
+          <p:cNvPr id="47" name="Rectangle 46">
+            <a:extLst>
+              <a:ext uri="{FF2B5EF4-FFF2-40B4-BE49-F238E27FC236}">
+                <a16:creationId xmlns:a16="http://schemas.microsoft.com/office/drawing/2014/main" id="{D18902E6-F692-0F49-8FB3-3EB55951A8E1}"/>
+              </a:ext>
+            </a:extLst>
+          </p:cNvPr>
+          <p:cNvSpPr/>
+          <p:nvPr/>
+        </p:nvSpPr>
+        <p:spPr>
+          <a:xfrm>
+            <a:off x="9668700" y="5258272"/>
+            <a:ext cx="2228463" cy="869913"/>
+          </a:xfrm>
+          <a:prstGeom prst="rect">
+            <a:avLst/>
+          </a:prstGeom>
+          <a:solidFill>
+            <a:srgbClr val="00B050"/>
+          </a:solidFill>
+          <a:ln>
+            <a:noFill/>
+          </a:ln>
+        </p:spPr>
+        <p:style>
+          <a:lnRef idx="2">
+            <a:schemeClr val="accent6">
+              <a:shade val="50000"/>
+            </a:schemeClr>
+          </a:lnRef>
+          <a:fillRef idx="1">
+            <a:schemeClr val="accent6"/>
+          </a:fillRef>
+          <a:effectRef idx="0">
+            <a:schemeClr val="accent6"/>
+          </a:effectRef>
+          <a:fontRef idx="minor">
+            <a:schemeClr val="lt1"/>
+          </a:fontRef>
+        </p:style>
+        <p:txBody>
+          <a:bodyPr rot="0" spcFirstLastPara="0" vertOverflow="overflow" horzOverflow="overflow" vert="horz" wrap="square" lIns="135005" tIns="67502" rIns="135005" bIns="67502" numCol="1" spcCol="0" rtlCol="0" fromWordArt="0" anchor="ctr" anchorCtr="0" forceAA="0" compatLnSpc="1">
+            <a:prstTxWarp prst="textNoShape">
+              <a:avLst/>
+            </a:prstTxWarp>
+            <a:noAutofit/>
+          </a:bodyPr>
+          <a:lstStyle/>
+          <a:p>
+            <a:pPr algn="ctr"/>
+            <a:r>
+              <a:rPr lang="en-US" sz="1800" b="1" dirty="0"/>
+              <a:t>Various UI Panes</a:t>
+            </a:r>
+          </a:p>
+        </p:txBody>
+      </p:sp>
     </p:spTree>
     <p:extLst>
       <p:ext uri="{BB962C8B-B14F-4D97-AF65-F5344CB8AC3E}">
